--- a/docs/diagrams/StorageComponentClassDiagram.pptx
+++ b/docs/diagrams/StorageComponentClassDiagram.pptx
@@ -107,6 +107,22 @@
       </a:defRPr>
     </a:lvl9pPr>
   </p:defaultTextStyle>
+  <p:extLst>
+    <p:ext uri="{EFAFB233-063F-42B5-8137-9DF3F51BA10A}">
+      <p15:sldGuideLst xmlns:p15="http://schemas.microsoft.com/office/powerpoint/2012/main">
+        <p15:guide id="1" orient="horz" pos="1488">
+          <p15:clr>
+            <a:srgbClr val="A4A3A4"/>
+          </p15:clr>
+        </p15:guide>
+        <p15:guide id="2" pos="2880">
+          <p15:clr>
+            <a:srgbClr val="A4A3A4"/>
+          </p15:clr>
+        </p15:guide>
+      </p15:sldGuideLst>
+    </p:ext>
+  </p:extLst>
 </p:presentation>
 </file>
 
@@ -192,7 +208,7 @@
           <a:p>
             <a:fld id="{F5CC4B3F-88C1-4FFA-B1B6-F41C21DC6924}" type="datetimeFigureOut">
               <a:rPr lang="en-US" smtClean="0"/>
-              <a:t>10/16/2016</a:t>
+              <a:t>10/15/2018</a:t>
             </a:fld>
             <a:endParaRPr lang="en-US"/>
           </a:p>
@@ -256,38 +272,37 @@
           <a:p>
             <a:pPr lvl="0"/>
             <a:r>
-              <a:rPr lang="en-US" smtClean="0"/>
+              <a:rPr lang="en-US"/>
               <a:t>Click to edit Master text styles</a:t>
             </a:r>
           </a:p>
           <a:p>
             <a:pPr lvl="1"/>
             <a:r>
-              <a:rPr lang="en-US" smtClean="0"/>
+              <a:rPr lang="en-US"/>
               <a:t>Second level</a:t>
             </a:r>
           </a:p>
           <a:p>
             <a:pPr lvl="2"/>
             <a:r>
-              <a:rPr lang="en-US" smtClean="0"/>
+              <a:rPr lang="en-US"/>
               <a:t>Third level</a:t>
             </a:r>
           </a:p>
           <a:p>
             <a:pPr lvl="3"/>
             <a:r>
-              <a:rPr lang="en-US" smtClean="0"/>
+              <a:rPr lang="en-US"/>
               <a:t>Fourth level</a:t>
             </a:r>
           </a:p>
           <a:p>
             <a:pPr lvl="4"/>
             <a:r>
-              <a:rPr lang="en-US" smtClean="0"/>
+              <a:rPr lang="en-US"/>
               <a:t>Fifth level</a:t>
             </a:r>
-            <a:endParaRPr lang="en-US"/>
           </a:p>
         </p:txBody>
       </p:sp>
@@ -498,10 +513,9 @@
           <a:lstStyle/>
           <a:p>
             <a:r>
-              <a:rPr lang="en-US" smtClean="0"/>
+              <a:rPr lang="en-US"/>
               <a:t>Click to edit Master title style</a:t>
             </a:r>
-            <a:endParaRPr lang="en-US"/>
           </a:p>
         </p:txBody>
       </p:sp>
@@ -617,10 +631,9 @@
           </a:lstStyle>
           <a:p>
             <a:r>
-              <a:rPr lang="en-US" smtClean="0"/>
+              <a:rPr lang="en-US"/>
               <a:t>Click to edit Master subtitle style</a:t>
             </a:r>
-            <a:endParaRPr lang="en-US"/>
           </a:p>
         </p:txBody>
       </p:sp>
@@ -641,7 +654,7 @@
           <a:p>
             <a:fld id="{78C97017-6FC3-485B-9764-EAC9E56C1D49}" type="datetimeFigureOut">
               <a:rPr lang="en-US" smtClean="0"/>
-              <a:t>10/16/2016</a:t>
+              <a:t>10/15/2018</a:t>
             </a:fld>
             <a:endParaRPr lang="en-US"/>
           </a:p>
@@ -735,10 +748,9 @@
           <a:lstStyle/>
           <a:p>
             <a:r>
-              <a:rPr lang="en-US" smtClean="0"/>
+              <a:rPr lang="en-US"/>
               <a:t>Click to edit Master title style</a:t>
             </a:r>
-            <a:endParaRPr lang="en-US"/>
           </a:p>
         </p:txBody>
       </p:sp>
@@ -759,38 +771,37 @@
           <a:p>
             <a:pPr lvl="0"/>
             <a:r>
-              <a:rPr lang="en-US" smtClean="0"/>
+              <a:rPr lang="en-US"/>
               <a:t>Click to edit Master text styles</a:t>
             </a:r>
           </a:p>
           <a:p>
             <a:pPr lvl="1"/>
             <a:r>
-              <a:rPr lang="en-US" smtClean="0"/>
+              <a:rPr lang="en-US"/>
               <a:t>Second level</a:t>
             </a:r>
           </a:p>
           <a:p>
             <a:pPr lvl="2"/>
             <a:r>
-              <a:rPr lang="en-US" smtClean="0"/>
+              <a:rPr lang="en-US"/>
               <a:t>Third level</a:t>
             </a:r>
           </a:p>
           <a:p>
             <a:pPr lvl="3"/>
             <a:r>
-              <a:rPr lang="en-US" smtClean="0"/>
+              <a:rPr lang="en-US"/>
               <a:t>Fourth level</a:t>
             </a:r>
           </a:p>
           <a:p>
             <a:pPr lvl="4"/>
             <a:r>
-              <a:rPr lang="en-US" smtClean="0"/>
+              <a:rPr lang="en-US"/>
               <a:t>Fifth level</a:t>
             </a:r>
-            <a:endParaRPr lang="en-US"/>
           </a:p>
         </p:txBody>
       </p:sp>
@@ -811,7 +822,7 @@
           <a:p>
             <a:fld id="{78C97017-6FC3-485B-9764-EAC9E56C1D49}" type="datetimeFigureOut">
               <a:rPr lang="en-US" smtClean="0"/>
-              <a:t>10/16/2016</a:t>
+              <a:t>10/15/2018</a:t>
             </a:fld>
             <a:endParaRPr lang="en-US"/>
           </a:p>
@@ -910,10 +921,9 @@
           <a:lstStyle/>
           <a:p>
             <a:r>
-              <a:rPr lang="en-US" smtClean="0"/>
+              <a:rPr lang="en-US"/>
               <a:t>Click to edit Master title style</a:t>
             </a:r>
-            <a:endParaRPr lang="en-US"/>
           </a:p>
         </p:txBody>
       </p:sp>
@@ -939,38 +949,37 @@
           <a:p>
             <a:pPr lvl="0"/>
             <a:r>
-              <a:rPr lang="en-US" smtClean="0"/>
+              <a:rPr lang="en-US"/>
               <a:t>Click to edit Master text styles</a:t>
             </a:r>
           </a:p>
           <a:p>
             <a:pPr lvl="1"/>
             <a:r>
-              <a:rPr lang="en-US" smtClean="0"/>
+              <a:rPr lang="en-US"/>
               <a:t>Second level</a:t>
             </a:r>
           </a:p>
           <a:p>
             <a:pPr lvl="2"/>
             <a:r>
-              <a:rPr lang="en-US" smtClean="0"/>
+              <a:rPr lang="en-US"/>
               <a:t>Third level</a:t>
             </a:r>
           </a:p>
           <a:p>
             <a:pPr lvl="3"/>
             <a:r>
-              <a:rPr lang="en-US" smtClean="0"/>
+              <a:rPr lang="en-US"/>
               <a:t>Fourth level</a:t>
             </a:r>
           </a:p>
           <a:p>
             <a:pPr lvl="4"/>
             <a:r>
-              <a:rPr lang="en-US" smtClean="0"/>
+              <a:rPr lang="en-US"/>
               <a:t>Fifth level</a:t>
             </a:r>
-            <a:endParaRPr lang="en-US"/>
           </a:p>
         </p:txBody>
       </p:sp>
@@ -991,7 +1000,7 @@
           <a:p>
             <a:fld id="{78C97017-6FC3-485B-9764-EAC9E56C1D49}" type="datetimeFigureOut">
               <a:rPr lang="en-US" smtClean="0"/>
-              <a:t>10/16/2016</a:t>
+              <a:t>10/15/2018</a:t>
             </a:fld>
             <a:endParaRPr lang="en-US"/>
           </a:p>
@@ -1085,10 +1094,9 @@
           <a:lstStyle/>
           <a:p>
             <a:r>
-              <a:rPr lang="en-US" smtClean="0"/>
+              <a:rPr lang="en-US"/>
               <a:t>Click to edit Master title style</a:t>
             </a:r>
-            <a:endParaRPr lang="en-US"/>
           </a:p>
         </p:txBody>
       </p:sp>
@@ -1109,38 +1117,37 @@
           <a:p>
             <a:pPr lvl="0"/>
             <a:r>
-              <a:rPr lang="en-US" smtClean="0"/>
+              <a:rPr lang="en-US"/>
               <a:t>Click to edit Master text styles</a:t>
             </a:r>
           </a:p>
           <a:p>
             <a:pPr lvl="1"/>
             <a:r>
-              <a:rPr lang="en-US" smtClean="0"/>
+              <a:rPr lang="en-US"/>
               <a:t>Second level</a:t>
             </a:r>
           </a:p>
           <a:p>
             <a:pPr lvl="2"/>
             <a:r>
-              <a:rPr lang="en-US" smtClean="0"/>
+              <a:rPr lang="en-US"/>
               <a:t>Third level</a:t>
             </a:r>
           </a:p>
           <a:p>
             <a:pPr lvl="3"/>
             <a:r>
-              <a:rPr lang="en-US" smtClean="0"/>
+              <a:rPr lang="en-US"/>
               <a:t>Fourth level</a:t>
             </a:r>
           </a:p>
           <a:p>
             <a:pPr lvl="4"/>
             <a:r>
-              <a:rPr lang="en-US" smtClean="0"/>
+              <a:rPr lang="en-US"/>
               <a:t>Fifth level</a:t>
             </a:r>
-            <a:endParaRPr lang="en-US"/>
           </a:p>
         </p:txBody>
       </p:sp>
@@ -1161,7 +1168,7 @@
           <a:p>
             <a:fld id="{78C97017-6FC3-485B-9764-EAC9E56C1D49}" type="datetimeFigureOut">
               <a:rPr lang="en-US" smtClean="0"/>
-              <a:t>10/16/2016</a:t>
+              <a:t>10/15/2018</a:t>
             </a:fld>
             <a:endParaRPr lang="en-US"/>
           </a:p>
@@ -1264,10 +1271,9 @@
           </a:lstStyle>
           <a:p>
             <a:r>
-              <a:rPr lang="en-US" smtClean="0"/>
+              <a:rPr lang="en-US"/>
               <a:t>Click to edit Master title style</a:t>
             </a:r>
-            <a:endParaRPr lang="en-US"/>
           </a:p>
         </p:txBody>
       </p:sp>
@@ -1384,7 +1390,7 @@
           <a:p>
             <a:pPr lvl="0"/>
             <a:r>
-              <a:rPr lang="en-US" smtClean="0"/>
+              <a:rPr lang="en-US"/>
               <a:t>Click to edit Master text styles</a:t>
             </a:r>
           </a:p>
@@ -1407,7 +1413,7 @@
           <a:p>
             <a:fld id="{78C97017-6FC3-485B-9764-EAC9E56C1D49}" type="datetimeFigureOut">
               <a:rPr lang="en-US" smtClean="0"/>
-              <a:t>10/16/2016</a:t>
+              <a:t>10/15/2018</a:t>
             </a:fld>
             <a:endParaRPr lang="en-US"/>
           </a:p>
@@ -1501,10 +1507,9 @@
           <a:lstStyle/>
           <a:p>
             <a:r>
-              <a:rPr lang="en-US" smtClean="0"/>
+              <a:rPr lang="en-US"/>
               <a:t>Click to edit Master title style</a:t>
             </a:r>
-            <a:endParaRPr lang="en-US"/>
           </a:p>
         </p:txBody>
       </p:sp>
@@ -1558,38 +1563,37 @@
           <a:p>
             <a:pPr lvl="0"/>
             <a:r>
-              <a:rPr lang="en-US" smtClean="0"/>
+              <a:rPr lang="en-US"/>
               <a:t>Click to edit Master text styles</a:t>
             </a:r>
           </a:p>
           <a:p>
             <a:pPr lvl="1"/>
             <a:r>
-              <a:rPr lang="en-US" smtClean="0"/>
+              <a:rPr lang="en-US"/>
               <a:t>Second level</a:t>
             </a:r>
           </a:p>
           <a:p>
             <a:pPr lvl="2"/>
             <a:r>
-              <a:rPr lang="en-US" smtClean="0"/>
+              <a:rPr lang="en-US"/>
               <a:t>Third level</a:t>
             </a:r>
           </a:p>
           <a:p>
             <a:pPr lvl="3"/>
             <a:r>
-              <a:rPr lang="en-US" smtClean="0"/>
+              <a:rPr lang="en-US"/>
               <a:t>Fourth level</a:t>
             </a:r>
           </a:p>
           <a:p>
             <a:pPr lvl="4"/>
             <a:r>
-              <a:rPr lang="en-US" smtClean="0"/>
+              <a:rPr lang="en-US"/>
               <a:t>Fifth level</a:t>
             </a:r>
-            <a:endParaRPr lang="en-US"/>
           </a:p>
         </p:txBody>
       </p:sp>
@@ -1643,38 +1647,37 @@
           <a:p>
             <a:pPr lvl="0"/>
             <a:r>
-              <a:rPr lang="en-US" smtClean="0"/>
+              <a:rPr lang="en-US"/>
               <a:t>Click to edit Master text styles</a:t>
             </a:r>
           </a:p>
           <a:p>
             <a:pPr lvl="1"/>
             <a:r>
-              <a:rPr lang="en-US" smtClean="0"/>
+              <a:rPr lang="en-US"/>
               <a:t>Second level</a:t>
             </a:r>
           </a:p>
           <a:p>
             <a:pPr lvl="2"/>
             <a:r>
-              <a:rPr lang="en-US" smtClean="0"/>
+              <a:rPr lang="en-US"/>
               <a:t>Third level</a:t>
             </a:r>
           </a:p>
           <a:p>
             <a:pPr lvl="3"/>
             <a:r>
-              <a:rPr lang="en-US" smtClean="0"/>
+              <a:rPr lang="en-US"/>
               <a:t>Fourth level</a:t>
             </a:r>
           </a:p>
           <a:p>
             <a:pPr lvl="4"/>
             <a:r>
-              <a:rPr lang="en-US" smtClean="0"/>
+              <a:rPr lang="en-US"/>
               <a:t>Fifth level</a:t>
             </a:r>
-            <a:endParaRPr lang="en-US"/>
           </a:p>
         </p:txBody>
       </p:sp>
@@ -1695,7 +1698,7 @@
           <a:p>
             <a:fld id="{78C97017-6FC3-485B-9764-EAC9E56C1D49}" type="datetimeFigureOut">
               <a:rPr lang="en-US" smtClean="0"/>
-              <a:t>10/16/2016</a:t>
+              <a:t>10/15/2018</a:t>
             </a:fld>
             <a:endParaRPr lang="en-US"/>
           </a:p>
@@ -1793,10 +1796,9 @@
           </a:lstStyle>
           <a:p>
             <a:r>
-              <a:rPr lang="en-US" smtClean="0"/>
+              <a:rPr lang="en-US"/>
               <a:t>Click to edit Master title style</a:t>
             </a:r>
-            <a:endParaRPr lang="en-US"/>
           </a:p>
         </p:txBody>
       </p:sp>
@@ -1859,7 +1861,7 @@
           <a:p>
             <a:pPr lvl="0"/>
             <a:r>
-              <a:rPr lang="en-US" smtClean="0"/>
+              <a:rPr lang="en-US"/>
               <a:t>Click to edit Master text styles</a:t>
             </a:r>
           </a:p>
@@ -1915,38 +1917,37 @@
           <a:p>
             <a:pPr lvl="0"/>
             <a:r>
-              <a:rPr lang="en-US" smtClean="0"/>
+              <a:rPr lang="en-US"/>
               <a:t>Click to edit Master text styles</a:t>
             </a:r>
           </a:p>
           <a:p>
             <a:pPr lvl="1"/>
             <a:r>
-              <a:rPr lang="en-US" smtClean="0"/>
+              <a:rPr lang="en-US"/>
               <a:t>Second level</a:t>
             </a:r>
           </a:p>
           <a:p>
             <a:pPr lvl="2"/>
             <a:r>
-              <a:rPr lang="en-US" smtClean="0"/>
+              <a:rPr lang="en-US"/>
               <a:t>Third level</a:t>
             </a:r>
           </a:p>
           <a:p>
             <a:pPr lvl="3"/>
             <a:r>
-              <a:rPr lang="en-US" smtClean="0"/>
+              <a:rPr lang="en-US"/>
               <a:t>Fourth level</a:t>
             </a:r>
           </a:p>
           <a:p>
             <a:pPr lvl="4"/>
             <a:r>
-              <a:rPr lang="en-US" smtClean="0"/>
+              <a:rPr lang="en-US"/>
               <a:t>Fifth level</a:t>
             </a:r>
-            <a:endParaRPr lang="en-US"/>
           </a:p>
         </p:txBody>
       </p:sp>
@@ -2009,7 +2010,7 @@
           <a:p>
             <a:pPr lvl="0"/>
             <a:r>
-              <a:rPr lang="en-US" smtClean="0"/>
+              <a:rPr lang="en-US"/>
               <a:t>Click to edit Master text styles</a:t>
             </a:r>
           </a:p>
@@ -2065,38 +2066,37 @@
           <a:p>
             <a:pPr lvl="0"/>
             <a:r>
-              <a:rPr lang="en-US" smtClean="0"/>
+              <a:rPr lang="en-US"/>
               <a:t>Click to edit Master text styles</a:t>
             </a:r>
           </a:p>
           <a:p>
             <a:pPr lvl="1"/>
             <a:r>
-              <a:rPr lang="en-US" smtClean="0"/>
+              <a:rPr lang="en-US"/>
               <a:t>Second level</a:t>
             </a:r>
           </a:p>
           <a:p>
             <a:pPr lvl="2"/>
             <a:r>
-              <a:rPr lang="en-US" smtClean="0"/>
+              <a:rPr lang="en-US"/>
               <a:t>Third level</a:t>
             </a:r>
           </a:p>
           <a:p>
             <a:pPr lvl="3"/>
             <a:r>
-              <a:rPr lang="en-US" smtClean="0"/>
+              <a:rPr lang="en-US"/>
               <a:t>Fourth level</a:t>
             </a:r>
           </a:p>
           <a:p>
             <a:pPr lvl="4"/>
             <a:r>
-              <a:rPr lang="en-US" smtClean="0"/>
+              <a:rPr lang="en-US"/>
               <a:t>Fifth level</a:t>
             </a:r>
-            <a:endParaRPr lang="en-US"/>
           </a:p>
         </p:txBody>
       </p:sp>
@@ -2117,7 +2117,7 @@
           <a:p>
             <a:fld id="{78C97017-6FC3-485B-9764-EAC9E56C1D49}" type="datetimeFigureOut">
               <a:rPr lang="en-US" smtClean="0"/>
-              <a:t>10/16/2016</a:t>
+              <a:t>10/15/2018</a:t>
             </a:fld>
             <a:endParaRPr lang="en-US"/>
           </a:p>
@@ -2211,10 +2211,9 @@
           <a:lstStyle/>
           <a:p>
             <a:r>
-              <a:rPr lang="en-US" smtClean="0"/>
+              <a:rPr lang="en-US"/>
               <a:t>Click to edit Master title style</a:t>
             </a:r>
-            <a:endParaRPr lang="en-US"/>
           </a:p>
         </p:txBody>
       </p:sp>
@@ -2235,7 +2234,7 @@
           <a:p>
             <a:fld id="{78C97017-6FC3-485B-9764-EAC9E56C1D49}" type="datetimeFigureOut">
               <a:rPr lang="en-US" smtClean="0"/>
-              <a:t>10/16/2016</a:t>
+              <a:t>10/15/2018</a:t>
             </a:fld>
             <a:endParaRPr lang="en-US"/>
           </a:p>
@@ -2330,7 +2329,7 @@
           <a:p>
             <a:fld id="{78C97017-6FC3-485B-9764-EAC9E56C1D49}" type="datetimeFigureOut">
               <a:rPr lang="en-US" smtClean="0"/>
-              <a:t>10/16/2016</a:t>
+              <a:t>10/15/2018</a:t>
             </a:fld>
             <a:endParaRPr lang="en-US"/>
           </a:p>
@@ -2433,10 +2432,9 @@
           </a:lstStyle>
           <a:p>
             <a:r>
-              <a:rPr lang="en-US" smtClean="0"/>
+              <a:rPr lang="en-US"/>
               <a:t>Click to edit Master title style</a:t>
             </a:r>
-            <a:endParaRPr lang="en-US"/>
           </a:p>
         </p:txBody>
       </p:sp>
@@ -2490,38 +2488,37 @@
           <a:p>
             <a:pPr lvl="0"/>
             <a:r>
-              <a:rPr lang="en-US" smtClean="0"/>
+              <a:rPr lang="en-US"/>
               <a:t>Click to edit Master text styles</a:t>
             </a:r>
           </a:p>
           <a:p>
             <a:pPr lvl="1"/>
             <a:r>
-              <a:rPr lang="en-US" smtClean="0"/>
+              <a:rPr lang="en-US"/>
               <a:t>Second level</a:t>
             </a:r>
           </a:p>
           <a:p>
             <a:pPr lvl="2"/>
             <a:r>
-              <a:rPr lang="en-US" smtClean="0"/>
+              <a:rPr lang="en-US"/>
               <a:t>Third level</a:t>
             </a:r>
           </a:p>
           <a:p>
             <a:pPr lvl="3"/>
             <a:r>
-              <a:rPr lang="en-US" smtClean="0"/>
+              <a:rPr lang="en-US"/>
               <a:t>Fourth level</a:t>
             </a:r>
           </a:p>
           <a:p>
             <a:pPr lvl="4"/>
             <a:r>
-              <a:rPr lang="en-US" smtClean="0"/>
+              <a:rPr lang="en-US"/>
               <a:t>Fifth level</a:t>
             </a:r>
-            <a:endParaRPr lang="en-US"/>
           </a:p>
         </p:txBody>
       </p:sp>
@@ -2584,7 +2581,7 @@
           <a:p>
             <a:pPr lvl="0"/>
             <a:r>
-              <a:rPr lang="en-US" smtClean="0"/>
+              <a:rPr lang="en-US"/>
               <a:t>Click to edit Master text styles</a:t>
             </a:r>
           </a:p>
@@ -2607,7 +2604,7 @@
           <a:p>
             <a:fld id="{78C97017-6FC3-485B-9764-EAC9E56C1D49}" type="datetimeFigureOut">
               <a:rPr lang="en-US" smtClean="0"/>
-              <a:t>10/16/2016</a:t>
+              <a:t>10/15/2018</a:t>
             </a:fld>
             <a:endParaRPr lang="en-US"/>
           </a:p>
@@ -2710,10 +2707,9 @@
           </a:lstStyle>
           <a:p>
             <a:r>
-              <a:rPr lang="en-US" smtClean="0"/>
+              <a:rPr lang="en-US"/>
               <a:t>Click to edit Master title style</a:t>
             </a:r>
-            <a:endParaRPr lang="en-US"/>
           </a:p>
         </p:txBody>
       </p:sp>
@@ -2837,7 +2833,7 @@
           <a:p>
             <a:pPr lvl="0"/>
             <a:r>
-              <a:rPr lang="en-US" smtClean="0"/>
+              <a:rPr lang="en-US"/>
               <a:t>Click to edit Master text styles</a:t>
             </a:r>
           </a:p>
@@ -2860,7 +2856,7 @@
           <a:p>
             <a:fld id="{78C97017-6FC3-485B-9764-EAC9E56C1D49}" type="datetimeFigureOut">
               <a:rPr lang="en-US" smtClean="0"/>
-              <a:t>10/16/2016</a:t>
+              <a:t>10/15/2018</a:t>
             </a:fld>
             <a:endParaRPr lang="en-US"/>
           </a:p>
@@ -2969,10 +2965,9 @@
           <a:lstStyle/>
           <a:p>
             <a:r>
-              <a:rPr lang="en-US" smtClean="0"/>
+              <a:rPr lang="en-US"/>
               <a:t>Click to edit Master title style</a:t>
             </a:r>
-            <a:endParaRPr lang="en-US"/>
           </a:p>
         </p:txBody>
       </p:sp>
@@ -3003,38 +2998,37 @@
           <a:p>
             <a:pPr lvl="0"/>
             <a:r>
-              <a:rPr lang="en-US" smtClean="0"/>
+              <a:rPr lang="en-US"/>
               <a:t>Click to edit Master text styles</a:t>
             </a:r>
           </a:p>
           <a:p>
             <a:pPr lvl="1"/>
             <a:r>
-              <a:rPr lang="en-US" smtClean="0"/>
+              <a:rPr lang="en-US"/>
               <a:t>Second level</a:t>
             </a:r>
           </a:p>
           <a:p>
             <a:pPr lvl="2"/>
             <a:r>
-              <a:rPr lang="en-US" smtClean="0"/>
+              <a:rPr lang="en-US"/>
               <a:t>Third level</a:t>
             </a:r>
           </a:p>
           <a:p>
             <a:pPr lvl="3"/>
             <a:r>
-              <a:rPr lang="en-US" smtClean="0"/>
+              <a:rPr lang="en-US"/>
               <a:t>Fourth level</a:t>
             </a:r>
           </a:p>
           <a:p>
             <a:pPr lvl="4"/>
             <a:r>
-              <a:rPr lang="en-US" smtClean="0"/>
+              <a:rPr lang="en-US"/>
               <a:t>Fifth level</a:t>
             </a:r>
-            <a:endParaRPr lang="en-US"/>
           </a:p>
         </p:txBody>
       </p:sp>
@@ -3073,7 +3067,7 @@
           <a:p>
             <a:fld id="{78C97017-6FC3-485B-9764-EAC9E56C1D49}" type="datetimeFigureOut">
               <a:rPr lang="en-US" smtClean="0"/>
-              <a:t>10/16/2016</a:t>
+              <a:t>10/15/2018</a:t>
             </a:fld>
             <a:endParaRPr lang="en-US"/>
           </a:p>
@@ -3456,8 +3450,8 @@
         </p:nvSpPr>
         <p:spPr>
           <a:xfrm>
-            <a:off x="1119865" y="2086382"/>
-            <a:ext cx="7871735" cy="1723618"/>
+            <a:off x="457200" y="2133600"/>
+            <a:ext cx="8439374" cy="4100500"/>
           </a:xfrm>
           <a:prstGeom prst="roundRect">
             <a:avLst>
@@ -3494,7 +3488,7 @@
           <a:lstStyle/>
           <a:p>
             <a:r>
-              <a:rPr lang="en-US" sz="1200" b="1" dirty="0" smtClean="0">
+              <a:rPr lang="en-US" sz="1200" b="1" dirty="0">
                 <a:solidFill>
                   <a:schemeClr val="accent6">
                     <a:lumMod val="75000"/>
@@ -3521,7 +3515,7 @@
         </p:nvSpPr>
         <p:spPr>
           <a:xfrm>
-            <a:off x="2877180" y="3158440"/>
+            <a:off x="2214515" y="3205658"/>
             <a:ext cx="1323049" cy="346760"/>
           </a:xfrm>
           <a:prstGeom prst="rect">
@@ -3561,7 +3555,7 @@
           <a:p>
             <a:pPr algn="ctr"/>
             <a:r>
-              <a:rPr lang="en-US" sz="1050" dirty="0" smtClean="0">
+              <a:rPr lang="en-US" sz="1050" dirty="0">
                 <a:solidFill>
                   <a:schemeClr val="bg1"/>
                 </a:solidFill>
@@ -3569,14 +3563,14 @@
               <a:t>&lt;&lt;interface&gt;&gt;</a:t>
             </a:r>
             <a:br>
-              <a:rPr lang="en-US" sz="1050" dirty="0" smtClean="0">
+              <a:rPr lang="en-US" sz="1050" dirty="0">
                 <a:solidFill>
                   <a:schemeClr val="bg1"/>
                 </a:solidFill>
               </a:rPr>
             </a:br>
             <a:r>
-              <a:rPr lang="en-US" sz="1050" dirty="0" err="1" smtClean="0">
+              <a:rPr lang="en-US" sz="1050" dirty="0" err="1">
                 <a:solidFill>
                   <a:schemeClr val="bg1"/>
                 </a:solidFill>
@@ -3599,7 +3593,7 @@
         </p:nvSpPr>
         <p:spPr>
           <a:xfrm rot="16200000">
-            <a:off x="1683963" y="2868687"/>
+            <a:off x="1021298" y="2915905"/>
             <a:ext cx="1093635" cy="346760"/>
           </a:xfrm>
           <a:prstGeom prst="rect">
@@ -3639,7 +3633,7 @@
           <a:p>
             <a:pPr algn="ctr"/>
             <a:r>
-              <a:rPr lang="en-US" sz="1050" dirty="0" err="1" smtClean="0">
+              <a:rPr lang="en-US" sz="1050" dirty="0" err="1">
                 <a:solidFill>
                   <a:schemeClr val="bg1"/>
                 </a:solidFill>
@@ -3662,7 +3656,7 @@
         </p:nvSpPr>
         <p:spPr>
           <a:xfrm rot="16200000">
-            <a:off x="956202" y="2861202"/>
+            <a:off x="293537" y="2908420"/>
             <a:ext cx="1093635" cy="346760"/>
           </a:xfrm>
           <a:prstGeom prst="rect">
@@ -3713,7 +3707,7 @@
           <a:p>
             <a:pPr algn="ctr"/>
             <a:r>
-              <a:rPr lang="en-US" sz="1050" dirty="0" smtClean="0">
+              <a:rPr lang="en-US" sz="1050" dirty="0">
                 <a:solidFill>
                   <a:schemeClr val="bg1"/>
                 </a:solidFill>
@@ -3736,7 +3730,7 @@
         </p:nvSpPr>
         <p:spPr>
           <a:xfrm rot="16200000">
-            <a:off x="1626910" y="2952291"/>
+            <a:off x="964245" y="2999509"/>
             <a:ext cx="270504" cy="175523"/>
           </a:xfrm>
           <a:prstGeom prst="triangle">
@@ -3794,7 +3788,7 @@
         </p:nvCxnSpPr>
         <p:spPr>
           <a:xfrm>
-            <a:off x="2656370" y="3326536"/>
+            <a:off x="1993705" y="3373754"/>
             <a:ext cx="220810" cy="5284"/>
           </a:xfrm>
           <a:prstGeom prst="straightConnector1">
@@ -3829,12 +3823,14 @@
       <p:cxnSp>
         <p:nvCxnSpPr>
           <p:cNvPr id="75" name="Elbow Connector 122"/>
-          <p:cNvCxnSpPr/>
+          <p:cNvCxnSpPr>
+            <a:cxnSpLocks/>
+          </p:cNvCxnSpPr>
           <p:nvPr/>
         </p:nvCxnSpPr>
         <p:spPr>
           <a:xfrm>
-            <a:off x="910091" y="3040053"/>
+            <a:off x="247426" y="3087271"/>
             <a:ext cx="419548" cy="2860"/>
           </a:xfrm>
           <a:prstGeom prst="bentConnector3">
@@ -3879,7 +3875,7 @@
         </p:nvCxnSpPr>
         <p:spPr>
           <a:xfrm flipV="1">
-            <a:off x="1849924" y="3040052"/>
+            <a:off x="1187259" y="3087270"/>
             <a:ext cx="216105" cy="1"/>
           </a:xfrm>
           <a:prstGeom prst="line">
@@ -3920,7 +3916,7 @@
         </p:nvSpPr>
         <p:spPr>
           <a:xfrm>
-            <a:off x="2420322" y="3239846"/>
+            <a:off x="1757657" y="3287064"/>
             <a:ext cx="236048" cy="173380"/>
           </a:xfrm>
           <a:prstGeom prst="flowChartDecision">
@@ -3974,7 +3970,7 @@
         </p:nvCxnSpPr>
         <p:spPr>
           <a:xfrm flipV="1">
-            <a:off x="4398041" y="3331820"/>
+            <a:off x="3735376" y="3379038"/>
             <a:ext cx="223324" cy="1"/>
           </a:xfrm>
           <a:prstGeom prst="bentConnector3">
@@ -4017,7 +4013,7 @@
         </p:nvSpPr>
         <p:spPr>
           <a:xfrm rot="5400000" flipV="1">
-            <a:off x="4175027" y="3244059"/>
+            <a:off x="3512362" y="3291277"/>
             <a:ext cx="270504" cy="175523"/>
           </a:xfrm>
           <a:prstGeom prst="triangle">
@@ -4075,7 +4071,7 @@
         </p:nvCxnSpPr>
         <p:spPr>
           <a:xfrm>
-            <a:off x="5791200" y="3331820"/>
+            <a:off x="5128535" y="3379038"/>
             <a:ext cx="228600" cy="1970"/>
           </a:xfrm>
           <a:prstGeom prst="bentConnector3">
@@ -4118,7 +4114,7 @@
         </p:nvSpPr>
         <p:spPr>
           <a:xfrm>
-            <a:off x="4621365" y="3158440"/>
+            <a:off x="3958700" y="3205658"/>
             <a:ext cx="1169835" cy="346760"/>
           </a:xfrm>
           <a:prstGeom prst="rect">
@@ -4147,7 +4143,7 @@
           <a:p>
             <a:pPr algn="ctr"/>
             <a:r>
-              <a:rPr lang="en-US" sz="1050" b="1" dirty="0" err="1" smtClean="0">
+              <a:rPr lang="en-US" sz="1050" b="1" dirty="0" err="1">
                 <a:solidFill>
                   <a:schemeClr val="accent6">
                     <a:lumMod val="75000"/>
@@ -4156,18 +4152,8 @@
               </a:rPr>
               <a:t>XmlAddressBook</a:t>
             </a:r>
-            <a:r>
-              <a:rPr lang="en-US" sz="1050" b="1" dirty="0" smtClean="0">
-                <a:solidFill>
-                  <a:schemeClr val="accent6">
-                    <a:lumMod val="75000"/>
-                  </a:schemeClr>
-                </a:solidFill>
-              </a:rPr>
-              <a:t/>
-            </a:r>
             <a:br>
-              <a:rPr lang="en-US" sz="1050" b="1" dirty="0" smtClean="0">
+              <a:rPr lang="en-US" sz="1050" b="1" dirty="0">
                 <a:solidFill>
                   <a:schemeClr val="accent6">
                     <a:lumMod val="75000"/>
@@ -4176,7 +4162,7 @@
               </a:rPr>
             </a:br>
             <a:r>
-              <a:rPr lang="en-US" sz="1050" b="1" dirty="0" smtClean="0">
+              <a:rPr lang="en-US" sz="1050" b="1" dirty="0">
                 <a:solidFill>
                   <a:schemeClr val="accent6">
                     <a:lumMod val="75000"/>
@@ -4203,7 +4189,7 @@
         </p:nvSpPr>
         <p:spPr>
           <a:xfrm>
-            <a:off x="2873943" y="2558040"/>
+            <a:off x="2211278" y="2605258"/>
             <a:ext cx="1323049" cy="346760"/>
           </a:xfrm>
           <a:prstGeom prst="rect">
@@ -4243,7 +4229,7 @@
           <a:p>
             <a:pPr algn="ctr"/>
             <a:r>
-              <a:rPr lang="en-US" sz="1050" dirty="0" smtClean="0">
+              <a:rPr lang="en-US" sz="1050" dirty="0">
                 <a:solidFill>
                   <a:schemeClr val="bg1"/>
                 </a:solidFill>
@@ -4251,14 +4237,14 @@
               <a:t>&lt;&lt;interface&gt;&gt;</a:t>
             </a:r>
             <a:br>
-              <a:rPr lang="en-US" sz="1050" dirty="0" smtClean="0">
+              <a:rPr lang="en-US" sz="1050" dirty="0">
                 <a:solidFill>
                   <a:schemeClr val="bg1"/>
                 </a:solidFill>
               </a:rPr>
             </a:br>
             <a:r>
-              <a:rPr lang="en-US" sz="1050" dirty="0" err="1" smtClean="0">
+              <a:rPr lang="en-US" sz="1050" dirty="0" err="1">
                 <a:solidFill>
                   <a:schemeClr val="bg1"/>
                 </a:solidFill>
@@ -4284,7 +4270,7 @@
         </p:nvCxnSpPr>
         <p:spPr>
           <a:xfrm>
-            <a:off x="2653133" y="2726136"/>
+            <a:off x="1990468" y="2773354"/>
             <a:ext cx="220810" cy="5284"/>
           </a:xfrm>
           <a:prstGeom prst="straightConnector1">
@@ -4324,7 +4310,7 @@
         </p:nvSpPr>
         <p:spPr>
           <a:xfrm>
-            <a:off x="2417085" y="2639446"/>
+            <a:off x="1754420" y="2686664"/>
             <a:ext cx="236048" cy="173380"/>
           </a:xfrm>
           <a:prstGeom prst="flowChartDecision">
@@ -4378,7 +4364,7 @@
         </p:nvCxnSpPr>
         <p:spPr>
           <a:xfrm flipV="1">
-            <a:off x="4394804" y="2731420"/>
+            <a:off x="3732139" y="2778638"/>
             <a:ext cx="223324" cy="1"/>
           </a:xfrm>
           <a:prstGeom prst="bentConnector3">
@@ -4421,7 +4407,7 @@
         </p:nvSpPr>
         <p:spPr>
           <a:xfrm rot="5400000" flipV="1">
-            <a:off x="4171790" y="2643659"/>
+            <a:off x="3509125" y="2690877"/>
             <a:ext cx="270504" cy="175523"/>
           </a:xfrm>
           <a:prstGeom prst="triangle">
@@ -4476,7 +4462,7 @@
         </p:nvSpPr>
         <p:spPr>
           <a:xfrm>
-            <a:off x="4618128" y="2558040"/>
+            <a:off x="3955463" y="2605258"/>
             <a:ext cx="1093635" cy="346760"/>
           </a:xfrm>
           <a:prstGeom prst="rect">
@@ -4516,30 +4502,22 @@
           <a:p>
             <a:pPr algn="ctr"/>
             <a:r>
-              <a:rPr lang="en-US" sz="1050" dirty="0" err="1" smtClean="0">
+              <a:rPr lang="en-US" sz="1050" dirty="0" err="1">
                 <a:solidFill>
                   <a:schemeClr val="bg1"/>
                 </a:solidFill>
               </a:rPr>
               <a:t>JsonUserPrefs</a:t>
             </a:r>
-            <a:r>
-              <a:rPr lang="en-US" sz="1050" dirty="0" smtClean="0">
-                <a:solidFill>
-                  <a:schemeClr val="bg1"/>
-                </a:solidFill>
-              </a:rPr>
-              <a:t/>
-            </a:r>
             <a:br>
-              <a:rPr lang="en-US" sz="1050" dirty="0" smtClean="0">
+              <a:rPr lang="en-US" sz="1050" dirty="0">
                 <a:solidFill>
                   <a:schemeClr val="bg1"/>
                 </a:solidFill>
               </a:rPr>
             </a:br>
             <a:r>
-              <a:rPr lang="en-US" sz="1050" dirty="0" smtClean="0">
+              <a:rPr lang="en-US" sz="1050" dirty="0">
                 <a:solidFill>
                   <a:schemeClr val="bg1"/>
                 </a:solidFill>
@@ -4562,7 +4540,7 @@
         </p:nvSpPr>
         <p:spPr>
           <a:xfrm>
-            <a:off x="6019800" y="3160410"/>
+            <a:off x="5357135" y="3207628"/>
             <a:ext cx="1200707" cy="346760"/>
           </a:xfrm>
           <a:prstGeom prst="rect">
@@ -4591,7 +4569,7 @@
           <a:p>
             <a:pPr algn="ctr"/>
             <a:r>
-              <a:rPr lang="en-US" sz="1050" b="1" dirty="0" err="1" smtClean="0">
+              <a:rPr lang="en-US" sz="1050" b="1" dirty="0" err="1">
                 <a:solidFill>
                   <a:schemeClr val="accent6">
                     <a:lumMod val="75000"/>
@@ -4600,18 +4578,8 @@
               </a:rPr>
               <a:t>XmlSerializable</a:t>
             </a:r>
-            <a:r>
-              <a:rPr lang="en-US" sz="1050" b="1" dirty="0" smtClean="0">
-                <a:solidFill>
-                  <a:schemeClr val="accent6">
-                    <a:lumMod val="75000"/>
-                  </a:schemeClr>
-                </a:solidFill>
-              </a:rPr>
-              <a:t/>
-            </a:r>
             <a:br>
-              <a:rPr lang="en-US" sz="1050" b="1" dirty="0" smtClean="0">
+              <a:rPr lang="en-US" sz="1050" b="1" dirty="0">
                 <a:solidFill>
                   <a:schemeClr val="accent6">
                     <a:lumMod val="75000"/>
@@ -4620,7 +4588,7 @@
               </a:rPr>
             </a:br>
             <a:r>
-              <a:rPr lang="en-US" sz="1050" b="1" dirty="0" err="1" smtClean="0">
+              <a:rPr lang="en-US" sz="1050" b="1" dirty="0" err="1">
                 <a:solidFill>
                   <a:schemeClr val="accent6">
                     <a:lumMod val="75000"/>
@@ -4650,7 +4618,7 @@
         </p:nvCxnSpPr>
         <p:spPr>
           <a:xfrm rot="5400000" flipH="1" flipV="1">
-            <a:off x="8077993" y="2992020"/>
+            <a:off x="7415328" y="3039238"/>
             <a:ext cx="335208" cy="12700"/>
           </a:xfrm>
           <a:prstGeom prst="bentConnector3">
@@ -4688,7 +4656,7 @@
         </p:nvSpPr>
         <p:spPr>
           <a:xfrm>
-            <a:off x="7615738" y="2477656"/>
+            <a:off x="6953073" y="2524874"/>
             <a:ext cx="1259718" cy="346760"/>
           </a:xfrm>
           <a:prstGeom prst="rect">
@@ -4717,7 +4685,7 @@
           <a:p>
             <a:pPr algn="ctr"/>
             <a:r>
-              <a:rPr lang="en-US" sz="1050" b="1" dirty="0" err="1" smtClean="0">
+              <a:rPr lang="en-US" sz="1050" b="1" dirty="0" err="1">
                 <a:solidFill>
                   <a:schemeClr val="accent6">
                     <a:lumMod val="75000"/>
@@ -4744,7 +4712,7 @@
         </p:nvSpPr>
         <p:spPr>
           <a:xfrm>
-            <a:off x="7615738" y="3159624"/>
+            <a:off x="6953073" y="3206842"/>
             <a:ext cx="1259718" cy="346760"/>
           </a:xfrm>
           <a:prstGeom prst="rect">
@@ -4773,7 +4741,7 @@
           <a:p>
             <a:pPr algn="ctr"/>
             <a:r>
-              <a:rPr lang="en-US" sz="1050" b="1" dirty="0" err="1" smtClean="0">
+              <a:rPr lang="en-US" sz="1050" b="1" dirty="0" err="1">
                 <a:solidFill>
                   <a:schemeClr val="accent6">
                     <a:lumMod val="75000"/>
@@ -4803,7 +4771,7 @@
         </p:nvCxnSpPr>
         <p:spPr>
           <a:xfrm flipV="1">
-            <a:off x="7220507" y="3333004"/>
+            <a:off x="6557842" y="3380222"/>
             <a:ext cx="395231" cy="786"/>
           </a:xfrm>
           <a:prstGeom prst="bentConnector3">
@@ -4827,6 +4795,734 @@
           </a:fillRef>
           <a:effectRef idx="1">
             <a:schemeClr val="accent6"/>
+          </a:effectRef>
+          <a:fontRef idx="minor">
+            <a:schemeClr val="dk1"/>
+          </a:fontRef>
+        </p:style>
+      </p:cxnSp>
+      <p:sp>
+        <p:nvSpPr>
+          <p:cNvPr id="26" name="Rectangle 8">
+            <a:extLst>
+              <a:ext uri="{FF2B5EF4-FFF2-40B4-BE49-F238E27FC236}">
+                <a16:creationId xmlns:a16="http://schemas.microsoft.com/office/drawing/2014/main" id="{D22F1CD4-E203-4EC5-AFCF-CB162FD4AD6A}"/>
+              </a:ext>
+            </a:extLst>
+          </p:cNvPr>
+          <p:cNvSpPr/>
+          <p:nvPr/>
+        </p:nvSpPr>
+        <p:spPr>
+          <a:xfrm>
+            <a:off x="5446179" y="3849419"/>
+            <a:ext cx="1506894" cy="445484"/>
+          </a:xfrm>
+          <a:prstGeom prst="rect">
+            <a:avLst/>
+          </a:prstGeom>
+          <a:ln w="19050"/>
+          <a:effectLst/>
+        </p:spPr>
+        <p:style>
+          <a:lnRef idx="1">
+            <a:schemeClr val="accent6"/>
+          </a:lnRef>
+          <a:fillRef idx="2">
+            <a:schemeClr val="accent6"/>
+          </a:fillRef>
+          <a:effectRef idx="1">
+            <a:schemeClr val="accent6"/>
+          </a:effectRef>
+          <a:fontRef idx="minor">
+            <a:schemeClr val="dk1"/>
+          </a:fontRef>
+        </p:style>
+        <p:txBody>
+          <a:bodyPr rtlCol="0" anchor="ctr"/>
+          <a:lstStyle/>
+          <a:p>
+            <a:pPr algn="ctr"/>
+            <a:r>
+              <a:rPr lang="en-US" sz="1050" b="1" dirty="0" err="1">
+                <a:solidFill>
+                  <a:schemeClr val="accent6">
+                    <a:lumMod val="75000"/>
+                  </a:schemeClr>
+                </a:solidFill>
+              </a:rPr>
+              <a:t>XmlSerializable</a:t>
+            </a:r>
+            <a:br>
+              <a:rPr lang="en-US" sz="1050" b="1" dirty="0">
+                <a:solidFill>
+                  <a:schemeClr val="accent6">
+                    <a:lumMod val="75000"/>
+                  </a:schemeClr>
+                </a:solidFill>
+              </a:rPr>
+            </a:br>
+            <a:r>
+              <a:rPr lang="en-US" sz="1050" b="1" dirty="0" err="1">
+                <a:solidFill>
+                  <a:schemeClr val="accent6">
+                    <a:lumMod val="75000"/>
+                  </a:schemeClr>
+                </a:solidFill>
+              </a:rPr>
+              <a:t>MakerManagerAdmins</a:t>
+            </a:r>
+            <a:endParaRPr lang="en-SG" sz="1050" b="1" dirty="0">
+              <a:solidFill>
+                <a:schemeClr val="accent6">
+                  <a:lumMod val="75000"/>
+                </a:schemeClr>
+              </a:solidFill>
+            </a:endParaRPr>
+          </a:p>
+        </p:txBody>
+      </p:sp>
+      <p:cxnSp>
+        <p:nvCxnSpPr>
+          <p:cNvPr id="35" name="Elbow Connector 122">
+            <a:extLst>
+              <a:ext uri="{FF2B5EF4-FFF2-40B4-BE49-F238E27FC236}">
+                <a16:creationId xmlns:a16="http://schemas.microsoft.com/office/drawing/2014/main" id="{4073A682-F45D-478F-AB49-AAF80DBAC8C0}"/>
+              </a:ext>
+            </a:extLst>
+          </p:cNvPr>
+          <p:cNvCxnSpPr>
+            <a:cxnSpLocks/>
+            <a:stCxn id="50" idx="3"/>
+            <a:endCxn id="26" idx="1"/>
+          </p:cNvCxnSpPr>
+          <p:nvPr/>
+        </p:nvCxnSpPr>
+        <p:spPr>
+          <a:xfrm>
+            <a:off x="5128535" y="3379038"/>
+            <a:ext cx="317644" cy="693123"/>
+          </a:xfrm>
+          <a:prstGeom prst="bentConnector3">
+            <a:avLst>
+              <a:gd name="adj1" fmla="val 50000"/>
+            </a:avLst>
+          </a:prstGeom>
+          <a:ln w="19050">
+            <a:solidFill>
+              <a:schemeClr val="accent6">
+                <a:lumMod val="75000"/>
+              </a:schemeClr>
+            </a:solidFill>
+            <a:prstDash val="sysDot"/>
+            <a:headEnd type="none" w="med" len="med"/>
+            <a:tailEnd type="arrow" w="med" len="med"/>
+          </a:ln>
+          <a:effectLst/>
+        </p:spPr>
+        <p:style>
+          <a:lnRef idx="1">
+            <a:schemeClr val="accent2"/>
+          </a:lnRef>
+          <a:fillRef idx="2">
+            <a:schemeClr val="accent2"/>
+          </a:fillRef>
+          <a:effectRef idx="1">
+            <a:schemeClr val="accent2"/>
+          </a:effectRef>
+          <a:fontRef idx="minor">
+            <a:schemeClr val="dk1"/>
+          </a:fontRef>
+        </p:style>
+      </p:cxnSp>
+      <p:sp>
+        <p:nvSpPr>
+          <p:cNvPr id="41" name="Rectangle 8">
+            <a:extLst>
+              <a:ext uri="{FF2B5EF4-FFF2-40B4-BE49-F238E27FC236}">
+                <a16:creationId xmlns:a16="http://schemas.microsoft.com/office/drawing/2014/main" id="{0D0716F5-5DDE-435D-B3CC-F6B9A377605B}"/>
+              </a:ext>
+            </a:extLst>
+          </p:cNvPr>
+          <p:cNvSpPr/>
+          <p:nvPr/>
+        </p:nvSpPr>
+        <p:spPr>
+          <a:xfrm>
+            <a:off x="7427082" y="3898781"/>
+            <a:ext cx="1259718" cy="346760"/>
+          </a:xfrm>
+          <a:prstGeom prst="rect">
+            <a:avLst/>
+          </a:prstGeom>
+          <a:ln w="19050"/>
+          <a:effectLst/>
+        </p:spPr>
+        <p:style>
+          <a:lnRef idx="1">
+            <a:schemeClr val="accent6"/>
+          </a:lnRef>
+          <a:fillRef idx="2">
+            <a:schemeClr val="accent6"/>
+          </a:fillRef>
+          <a:effectRef idx="1">
+            <a:schemeClr val="accent6"/>
+          </a:effectRef>
+          <a:fontRef idx="minor">
+            <a:schemeClr val="dk1"/>
+          </a:fontRef>
+        </p:style>
+        <p:txBody>
+          <a:bodyPr rtlCol="0" anchor="ctr"/>
+          <a:lstStyle/>
+          <a:p>
+            <a:pPr algn="ctr"/>
+            <a:r>
+              <a:rPr lang="en-US" sz="1050" b="1" dirty="0" err="1">
+                <a:solidFill>
+                  <a:schemeClr val="accent6">
+                    <a:lumMod val="75000"/>
+                  </a:schemeClr>
+                </a:solidFill>
+              </a:rPr>
+              <a:t>XmlAdaptedAdmin</a:t>
+            </a:r>
+            <a:endParaRPr lang="en-SG" sz="1050" b="1" dirty="0">
+              <a:solidFill>
+                <a:schemeClr val="accent6">
+                  <a:lumMod val="75000"/>
+                </a:schemeClr>
+              </a:solidFill>
+            </a:endParaRPr>
+          </a:p>
+        </p:txBody>
+      </p:sp>
+      <p:cxnSp>
+        <p:nvCxnSpPr>
+          <p:cNvPr id="43" name="Elbow Connector 122">
+            <a:extLst>
+              <a:ext uri="{FF2B5EF4-FFF2-40B4-BE49-F238E27FC236}">
+                <a16:creationId xmlns:a16="http://schemas.microsoft.com/office/drawing/2014/main" id="{4186FD58-3D52-4D3F-BD93-7A2FD80F9002}"/>
+              </a:ext>
+            </a:extLst>
+          </p:cNvPr>
+          <p:cNvCxnSpPr>
+            <a:cxnSpLocks/>
+            <a:stCxn id="26" idx="3"/>
+            <a:endCxn id="41" idx="1"/>
+          </p:cNvCxnSpPr>
+          <p:nvPr/>
+        </p:nvCxnSpPr>
+        <p:spPr>
+          <a:xfrm>
+            <a:off x="6953073" y="4072161"/>
+            <a:ext cx="474009" cy="12700"/>
+          </a:xfrm>
+          <a:prstGeom prst="bentConnector3">
+            <a:avLst>
+              <a:gd name="adj1" fmla="val 50000"/>
+            </a:avLst>
+          </a:prstGeom>
+          <a:ln w="19050">
+            <a:prstDash val="sysDot"/>
+            <a:headEnd type="none" w="med" len="med"/>
+            <a:tailEnd type="arrow" w="med" len="med"/>
+          </a:ln>
+          <a:effectLst/>
+        </p:spPr>
+        <p:style>
+          <a:lnRef idx="1">
+            <a:schemeClr val="accent6"/>
+          </a:lnRef>
+          <a:fillRef idx="2">
+            <a:schemeClr val="accent6"/>
+          </a:fillRef>
+          <a:effectRef idx="1">
+            <a:schemeClr val="accent6"/>
+          </a:effectRef>
+          <a:fontRef idx="minor">
+            <a:schemeClr val="dk1"/>
+          </a:fontRef>
+        </p:style>
+      </p:cxnSp>
+      <p:sp>
+        <p:nvSpPr>
+          <p:cNvPr id="47" name="Rectangle 8">
+            <a:extLst>
+              <a:ext uri="{FF2B5EF4-FFF2-40B4-BE49-F238E27FC236}">
+                <a16:creationId xmlns:a16="http://schemas.microsoft.com/office/drawing/2014/main" id="{C28566D2-04C4-444C-9548-7613A95BB343}"/>
+              </a:ext>
+            </a:extLst>
+          </p:cNvPr>
+          <p:cNvSpPr/>
+          <p:nvPr/>
+        </p:nvSpPr>
+        <p:spPr>
+          <a:xfrm>
+            <a:off x="5446179" y="4468283"/>
+            <a:ext cx="1640422" cy="445484"/>
+          </a:xfrm>
+          <a:prstGeom prst="rect">
+            <a:avLst/>
+          </a:prstGeom>
+          <a:ln w="19050"/>
+          <a:effectLst/>
+        </p:spPr>
+        <p:style>
+          <a:lnRef idx="1">
+            <a:schemeClr val="accent6"/>
+          </a:lnRef>
+          <a:fillRef idx="2">
+            <a:schemeClr val="accent6"/>
+          </a:fillRef>
+          <a:effectRef idx="1">
+            <a:schemeClr val="accent6"/>
+          </a:effectRef>
+          <a:fontRef idx="minor">
+            <a:schemeClr val="dk1"/>
+          </a:fontRef>
+        </p:style>
+        <p:txBody>
+          <a:bodyPr rtlCol="0" anchor="ctr"/>
+          <a:lstStyle/>
+          <a:p>
+            <a:pPr algn="ctr"/>
+            <a:r>
+              <a:rPr lang="en-US" sz="1050" b="1" dirty="0" err="1">
+                <a:solidFill>
+                  <a:schemeClr val="accent6">
+                    <a:lumMod val="75000"/>
+                  </a:schemeClr>
+                </a:solidFill>
+              </a:rPr>
+              <a:t>XmlSerializable</a:t>
+            </a:r>
+            <a:br>
+              <a:rPr lang="en-US" sz="1050" b="1" dirty="0">
+                <a:solidFill>
+                  <a:schemeClr val="accent6">
+                    <a:lumMod val="75000"/>
+                  </a:schemeClr>
+                </a:solidFill>
+              </a:rPr>
+            </a:br>
+            <a:r>
+              <a:rPr lang="en-US" sz="1050" b="1" dirty="0" err="1">
+                <a:solidFill>
+                  <a:schemeClr val="accent6">
+                    <a:lumMod val="75000"/>
+                  </a:schemeClr>
+                </a:solidFill>
+              </a:rPr>
+              <a:t>MakerManagerMachines</a:t>
+            </a:r>
+            <a:endParaRPr lang="en-SG" sz="1050" b="1" dirty="0">
+              <a:solidFill>
+                <a:schemeClr val="accent6">
+                  <a:lumMod val="75000"/>
+                </a:schemeClr>
+              </a:solidFill>
+            </a:endParaRPr>
+          </a:p>
+        </p:txBody>
+      </p:sp>
+      <p:sp>
+        <p:nvSpPr>
+          <p:cNvPr id="48" name="Rectangle 8">
+            <a:extLst>
+              <a:ext uri="{FF2B5EF4-FFF2-40B4-BE49-F238E27FC236}">
+                <a16:creationId xmlns:a16="http://schemas.microsoft.com/office/drawing/2014/main" id="{21AD5716-09A9-475C-AC0F-0C5EEF73B872}"/>
+              </a:ext>
+            </a:extLst>
+          </p:cNvPr>
+          <p:cNvSpPr/>
+          <p:nvPr/>
+        </p:nvSpPr>
+        <p:spPr>
+          <a:xfrm>
+            <a:off x="7427082" y="4517645"/>
+            <a:ext cx="1412118" cy="346760"/>
+          </a:xfrm>
+          <a:prstGeom prst="rect">
+            <a:avLst/>
+          </a:prstGeom>
+          <a:ln w="19050"/>
+          <a:effectLst/>
+        </p:spPr>
+        <p:style>
+          <a:lnRef idx="1">
+            <a:schemeClr val="accent6"/>
+          </a:lnRef>
+          <a:fillRef idx="2">
+            <a:schemeClr val="accent6"/>
+          </a:fillRef>
+          <a:effectRef idx="1">
+            <a:schemeClr val="accent6"/>
+          </a:effectRef>
+          <a:fontRef idx="minor">
+            <a:schemeClr val="dk1"/>
+          </a:fontRef>
+        </p:style>
+        <p:txBody>
+          <a:bodyPr rtlCol="0" anchor="ctr"/>
+          <a:lstStyle/>
+          <a:p>
+            <a:pPr algn="ctr"/>
+            <a:r>
+              <a:rPr lang="en-US" sz="1050" b="1" dirty="0" err="1">
+                <a:solidFill>
+                  <a:schemeClr val="accent6">
+                    <a:lumMod val="75000"/>
+                  </a:schemeClr>
+                </a:solidFill>
+              </a:rPr>
+              <a:t>XmlAdaptedMachine</a:t>
+            </a:r>
+            <a:endParaRPr lang="en-SG" sz="1050" b="1" dirty="0">
+              <a:solidFill>
+                <a:schemeClr val="accent6">
+                  <a:lumMod val="75000"/>
+                </a:schemeClr>
+              </a:solidFill>
+            </a:endParaRPr>
+          </a:p>
+        </p:txBody>
+      </p:sp>
+      <p:cxnSp>
+        <p:nvCxnSpPr>
+          <p:cNvPr id="49" name="Elbow Connector 122">
+            <a:extLst>
+              <a:ext uri="{FF2B5EF4-FFF2-40B4-BE49-F238E27FC236}">
+                <a16:creationId xmlns:a16="http://schemas.microsoft.com/office/drawing/2014/main" id="{9F2B0A0C-F01C-4BAA-9182-C7A22C330A88}"/>
+              </a:ext>
+            </a:extLst>
+          </p:cNvPr>
+          <p:cNvCxnSpPr>
+            <a:cxnSpLocks/>
+            <a:endCxn id="48" idx="1"/>
+          </p:cNvCxnSpPr>
+          <p:nvPr/>
+        </p:nvCxnSpPr>
+        <p:spPr>
+          <a:xfrm flipV="1">
+            <a:off x="7109440" y="4691025"/>
+            <a:ext cx="317642" cy="2"/>
+          </a:xfrm>
+          <a:prstGeom prst="bentConnector3">
+            <a:avLst>
+              <a:gd name="adj1" fmla="val 50000"/>
+            </a:avLst>
+          </a:prstGeom>
+          <a:ln w="19050">
+            <a:prstDash val="sysDot"/>
+            <a:headEnd type="none" w="med" len="med"/>
+            <a:tailEnd type="arrow" w="med" len="med"/>
+          </a:ln>
+          <a:effectLst/>
+        </p:spPr>
+        <p:style>
+          <a:lnRef idx="1">
+            <a:schemeClr val="accent6"/>
+          </a:lnRef>
+          <a:fillRef idx="2">
+            <a:schemeClr val="accent6"/>
+          </a:fillRef>
+          <a:effectRef idx="1">
+            <a:schemeClr val="accent6"/>
+          </a:effectRef>
+          <a:fontRef idx="minor">
+            <a:schemeClr val="dk1"/>
+          </a:fontRef>
+        </p:style>
+      </p:cxnSp>
+      <p:cxnSp>
+        <p:nvCxnSpPr>
+          <p:cNvPr id="55" name="Elbow Connector 122">
+            <a:extLst>
+              <a:ext uri="{FF2B5EF4-FFF2-40B4-BE49-F238E27FC236}">
+                <a16:creationId xmlns:a16="http://schemas.microsoft.com/office/drawing/2014/main" id="{01402356-D255-4CA2-87C7-C3052E136F73}"/>
+              </a:ext>
+            </a:extLst>
+          </p:cNvPr>
+          <p:cNvCxnSpPr>
+            <a:cxnSpLocks/>
+            <a:stCxn id="50" idx="3"/>
+            <a:endCxn id="47" idx="1"/>
+          </p:cNvCxnSpPr>
+          <p:nvPr/>
+        </p:nvCxnSpPr>
+        <p:spPr>
+          <a:xfrm>
+            <a:off x="5128535" y="3379038"/>
+            <a:ext cx="317644" cy="1311987"/>
+          </a:xfrm>
+          <a:prstGeom prst="bentConnector3">
+            <a:avLst>
+              <a:gd name="adj1" fmla="val 50000"/>
+            </a:avLst>
+          </a:prstGeom>
+          <a:ln w="19050">
+            <a:solidFill>
+              <a:schemeClr val="accent6">
+                <a:lumMod val="75000"/>
+              </a:schemeClr>
+            </a:solidFill>
+            <a:prstDash val="sysDot"/>
+            <a:headEnd type="none" w="med" len="med"/>
+            <a:tailEnd type="arrow" w="med" len="med"/>
+          </a:ln>
+          <a:effectLst/>
+        </p:spPr>
+        <p:style>
+          <a:lnRef idx="1">
+            <a:schemeClr val="accent2"/>
+          </a:lnRef>
+          <a:fillRef idx="2">
+            <a:schemeClr val="accent2"/>
+          </a:fillRef>
+          <a:effectRef idx="1">
+            <a:schemeClr val="accent2"/>
+          </a:effectRef>
+          <a:fontRef idx="minor">
+            <a:schemeClr val="dk1"/>
+          </a:fontRef>
+        </p:style>
+      </p:cxnSp>
+      <p:sp>
+        <p:nvSpPr>
+          <p:cNvPr id="57" name="Rectangle 8">
+            <a:extLst>
+              <a:ext uri="{FF2B5EF4-FFF2-40B4-BE49-F238E27FC236}">
+                <a16:creationId xmlns:a16="http://schemas.microsoft.com/office/drawing/2014/main" id="{A5B50AA8-278B-410A-89E1-E1C5F40231D2}"/>
+              </a:ext>
+            </a:extLst>
+          </p:cNvPr>
+          <p:cNvSpPr/>
+          <p:nvPr/>
+        </p:nvSpPr>
+        <p:spPr>
+          <a:xfrm>
+            <a:off x="5446179" y="5136930"/>
+            <a:ext cx="1640422" cy="445484"/>
+          </a:xfrm>
+          <a:prstGeom prst="rect">
+            <a:avLst/>
+          </a:prstGeom>
+          <a:ln w="19050"/>
+          <a:effectLst/>
+        </p:spPr>
+        <p:style>
+          <a:lnRef idx="1">
+            <a:schemeClr val="accent6"/>
+          </a:lnRef>
+          <a:fillRef idx="2">
+            <a:schemeClr val="accent6"/>
+          </a:fillRef>
+          <a:effectRef idx="1">
+            <a:schemeClr val="accent6"/>
+          </a:effectRef>
+          <a:fontRef idx="minor">
+            <a:schemeClr val="dk1"/>
+          </a:fontRef>
+        </p:style>
+        <p:txBody>
+          <a:bodyPr rtlCol="0" anchor="ctr"/>
+          <a:lstStyle/>
+          <a:p>
+            <a:pPr algn="ctr"/>
+            <a:r>
+              <a:rPr lang="en-US" sz="1050" b="1" dirty="0" err="1">
+                <a:solidFill>
+                  <a:schemeClr val="accent6">
+                    <a:lumMod val="75000"/>
+                  </a:schemeClr>
+                </a:solidFill>
+              </a:rPr>
+              <a:t>XmlSerializable</a:t>
+            </a:r>
+            <a:br>
+              <a:rPr lang="en-US" sz="1050" b="1" dirty="0">
+                <a:solidFill>
+                  <a:schemeClr val="accent6">
+                    <a:lumMod val="75000"/>
+                  </a:schemeClr>
+                </a:solidFill>
+              </a:rPr>
+            </a:br>
+            <a:r>
+              <a:rPr lang="en-US" sz="1050" b="1" dirty="0" err="1">
+                <a:solidFill>
+                  <a:schemeClr val="accent6">
+                    <a:lumMod val="75000"/>
+                  </a:schemeClr>
+                </a:solidFill>
+              </a:rPr>
+              <a:t>MakerManagerJobs</a:t>
+            </a:r>
+            <a:endParaRPr lang="en-SG" sz="1050" b="1" dirty="0">
+              <a:solidFill>
+                <a:schemeClr val="accent6">
+                  <a:lumMod val="75000"/>
+                </a:schemeClr>
+              </a:solidFill>
+            </a:endParaRPr>
+          </a:p>
+        </p:txBody>
+      </p:sp>
+      <p:sp>
+        <p:nvSpPr>
+          <p:cNvPr id="59" name="Rectangle 8">
+            <a:extLst>
+              <a:ext uri="{FF2B5EF4-FFF2-40B4-BE49-F238E27FC236}">
+                <a16:creationId xmlns:a16="http://schemas.microsoft.com/office/drawing/2014/main" id="{204770D9-40D2-40AA-B6ED-29F4E7D3B353}"/>
+              </a:ext>
+            </a:extLst>
+          </p:cNvPr>
+          <p:cNvSpPr/>
+          <p:nvPr/>
+        </p:nvSpPr>
+        <p:spPr>
+          <a:xfrm>
+            <a:off x="7422377" y="5186292"/>
+            <a:ext cx="1138420" cy="346760"/>
+          </a:xfrm>
+          <a:prstGeom prst="rect">
+            <a:avLst/>
+          </a:prstGeom>
+          <a:ln w="19050"/>
+          <a:effectLst/>
+        </p:spPr>
+        <p:style>
+          <a:lnRef idx="1">
+            <a:schemeClr val="accent6"/>
+          </a:lnRef>
+          <a:fillRef idx="2">
+            <a:schemeClr val="accent6"/>
+          </a:fillRef>
+          <a:effectRef idx="1">
+            <a:schemeClr val="accent6"/>
+          </a:effectRef>
+          <a:fontRef idx="minor">
+            <a:schemeClr val="dk1"/>
+          </a:fontRef>
+        </p:style>
+        <p:txBody>
+          <a:bodyPr rtlCol="0" anchor="ctr"/>
+          <a:lstStyle/>
+          <a:p>
+            <a:pPr algn="ctr"/>
+            <a:r>
+              <a:rPr lang="en-US" sz="1050" b="1" dirty="0" err="1">
+                <a:solidFill>
+                  <a:schemeClr val="accent6">
+                    <a:lumMod val="75000"/>
+                  </a:schemeClr>
+                </a:solidFill>
+              </a:rPr>
+              <a:t>XmlAdaptedJob</a:t>
+            </a:r>
+            <a:endParaRPr lang="en-SG" sz="1050" b="1" dirty="0">
+              <a:solidFill>
+                <a:schemeClr val="accent6">
+                  <a:lumMod val="75000"/>
+                </a:schemeClr>
+              </a:solidFill>
+            </a:endParaRPr>
+          </a:p>
+        </p:txBody>
+      </p:sp>
+      <p:cxnSp>
+        <p:nvCxnSpPr>
+          <p:cNvPr id="62" name="Elbow Connector 122">
+            <a:extLst>
+              <a:ext uri="{FF2B5EF4-FFF2-40B4-BE49-F238E27FC236}">
+                <a16:creationId xmlns:a16="http://schemas.microsoft.com/office/drawing/2014/main" id="{DDE84706-06F7-4009-B91B-3058E21A75C7}"/>
+              </a:ext>
+            </a:extLst>
+          </p:cNvPr>
+          <p:cNvCxnSpPr>
+            <a:cxnSpLocks/>
+            <a:stCxn id="57" idx="3"/>
+            <a:endCxn id="59" idx="1"/>
+          </p:cNvCxnSpPr>
+          <p:nvPr/>
+        </p:nvCxnSpPr>
+        <p:spPr>
+          <a:xfrm>
+            <a:off x="7086601" y="5359672"/>
+            <a:ext cx="335776" cy="12700"/>
+          </a:xfrm>
+          <a:prstGeom prst="bentConnector3">
+            <a:avLst>
+              <a:gd name="adj1" fmla="val 50000"/>
+            </a:avLst>
+          </a:prstGeom>
+          <a:ln w="19050">
+            <a:prstDash val="sysDot"/>
+            <a:headEnd type="none" w="med" len="med"/>
+            <a:tailEnd type="arrow" w="med" len="med"/>
+          </a:ln>
+          <a:effectLst/>
+        </p:spPr>
+        <p:style>
+          <a:lnRef idx="1">
+            <a:schemeClr val="accent6"/>
+          </a:lnRef>
+          <a:fillRef idx="2">
+            <a:schemeClr val="accent6"/>
+          </a:fillRef>
+          <a:effectRef idx="1">
+            <a:schemeClr val="accent6"/>
+          </a:effectRef>
+          <a:fontRef idx="minor">
+            <a:schemeClr val="dk1"/>
+          </a:fontRef>
+        </p:style>
+      </p:cxnSp>
+      <p:cxnSp>
+        <p:nvCxnSpPr>
+          <p:cNvPr id="71" name="Elbow Connector 122">
+            <a:extLst>
+              <a:ext uri="{FF2B5EF4-FFF2-40B4-BE49-F238E27FC236}">
+                <a16:creationId xmlns:a16="http://schemas.microsoft.com/office/drawing/2014/main" id="{8A1EB3CE-3C7E-4D3F-BE53-5E13E914751D}"/>
+              </a:ext>
+            </a:extLst>
+          </p:cNvPr>
+          <p:cNvCxnSpPr>
+            <a:cxnSpLocks/>
+            <a:endCxn id="57" idx="1"/>
+          </p:cNvCxnSpPr>
+          <p:nvPr/>
+        </p:nvCxnSpPr>
+        <p:spPr>
+          <a:xfrm rot="16200000" flipH="1">
+            <a:off x="4294051" y="4207544"/>
+            <a:ext cx="2001176" cy="303079"/>
+          </a:xfrm>
+          <a:prstGeom prst="bentConnector2">
+            <a:avLst/>
+          </a:prstGeom>
+          <a:ln w="19050">
+            <a:solidFill>
+              <a:schemeClr val="accent6">
+                <a:lumMod val="75000"/>
+              </a:schemeClr>
+            </a:solidFill>
+            <a:prstDash val="sysDot"/>
+            <a:headEnd type="none" w="med" len="med"/>
+            <a:tailEnd type="arrow" w="med" len="med"/>
+          </a:ln>
+          <a:effectLst/>
+        </p:spPr>
+        <p:style>
+          <a:lnRef idx="1">
+            <a:schemeClr val="accent2"/>
+          </a:lnRef>
+          <a:fillRef idx="2">
+            <a:schemeClr val="accent2"/>
+          </a:fillRef>
+          <a:effectRef idx="1">
+            <a:schemeClr val="accent2"/>
           </a:effectRef>
           <a:fontRef idx="minor">
             <a:schemeClr val="dk1"/>
@@ -4843,13 +5539,6 @@
   <p:clrMapOvr>
     <a:masterClrMapping/>
   </p:clrMapOvr>
-  <p:timing>
-    <p:tnLst>
-      <p:par>
-        <p:cTn id="1" dur="indefinite" restart="never" nodeType="tmRoot"/>
-      </p:par>
-    </p:tnLst>
-  </p:timing>
 </p:sld>
 </file>
 

--- a/docs/diagrams/StorageComponentClassDiagram.pptx
+++ b/docs/diagrams/StorageComponentClassDiagram.pptx
@@ -208,7 +208,7 @@
           <a:p>
             <a:fld id="{F5CC4B3F-88C1-4FFA-B1B6-F41C21DC6924}" type="datetimeFigureOut">
               <a:rPr lang="en-US" smtClean="0"/>
-              <a:t>10/15/2018</a:t>
+              <a:t>17-Oct-18</a:t>
             </a:fld>
             <a:endParaRPr lang="en-US"/>
           </a:p>
@@ -654,7 +654,7 @@
           <a:p>
             <a:fld id="{78C97017-6FC3-485B-9764-EAC9E56C1D49}" type="datetimeFigureOut">
               <a:rPr lang="en-US" smtClean="0"/>
-              <a:t>10/15/2018</a:t>
+              <a:t>17-Oct-18</a:t>
             </a:fld>
             <a:endParaRPr lang="en-US"/>
           </a:p>
@@ -822,7 +822,7 @@
           <a:p>
             <a:fld id="{78C97017-6FC3-485B-9764-EAC9E56C1D49}" type="datetimeFigureOut">
               <a:rPr lang="en-US" smtClean="0"/>
-              <a:t>10/15/2018</a:t>
+              <a:t>17-Oct-18</a:t>
             </a:fld>
             <a:endParaRPr lang="en-US"/>
           </a:p>
@@ -1000,7 +1000,7 @@
           <a:p>
             <a:fld id="{78C97017-6FC3-485B-9764-EAC9E56C1D49}" type="datetimeFigureOut">
               <a:rPr lang="en-US" smtClean="0"/>
-              <a:t>10/15/2018</a:t>
+              <a:t>17-Oct-18</a:t>
             </a:fld>
             <a:endParaRPr lang="en-US"/>
           </a:p>
@@ -1168,7 +1168,7 @@
           <a:p>
             <a:fld id="{78C97017-6FC3-485B-9764-EAC9E56C1D49}" type="datetimeFigureOut">
               <a:rPr lang="en-US" smtClean="0"/>
-              <a:t>10/15/2018</a:t>
+              <a:t>17-Oct-18</a:t>
             </a:fld>
             <a:endParaRPr lang="en-US"/>
           </a:p>
@@ -1413,7 +1413,7 @@
           <a:p>
             <a:fld id="{78C97017-6FC3-485B-9764-EAC9E56C1D49}" type="datetimeFigureOut">
               <a:rPr lang="en-US" smtClean="0"/>
-              <a:t>10/15/2018</a:t>
+              <a:t>17-Oct-18</a:t>
             </a:fld>
             <a:endParaRPr lang="en-US"/>
           </a:p>
@@ -1698,7 +1698,7 @@
           <a:p>
             <a:fld id="{78C97017-6FC3-485B-9764-EAC9E56C1D49}" type="datetimeFigureOut">
               <a:rPr lang="en-US" smtClean="0"/>
-              <a:t>10/15/2018</a:t>
+              <a:t>17-Oct-18</a:t>
             </a:fld>
             <a:endParaRPr lang="en-US"/>
           </a:p>
@@ -2117,7 +2117,7 @@
           <a:p>
             <a:fld id="{78C97017-6FC3-485B-9764-EAC9E56C1D49}" type="datetimeFigureOut">
               <a:rPr lang="en-US" smtClean="0"/>
-              <a:t>10/15/2018</a:t>
+              <a:t>17-Oct-18</a:t>
             </a:fld>
             <a:endParaRPr lang="en-US"/>
           </a:p>
@@ -2234,7 +2234,7 @@
           <a:p>
             <a:fld id="{78C97017-6FC3-485B-9764-EAC9E56C1D49}" type="datetimeFigureOut">
               <a:rPr lang="en-US" smtClean="0"/>
-              <a:t>10/15/2018</a:t>
+              <a:t>17-Oct-18</a:t>
             </a:fld>
             <a:endParaRPr lang="en-US"/>
           </a:p>
@@ -2329,7 +2329,7 @@
           <a:p>
             <a:fld id="{78C97017-6FC3-485B-9764-EAC9E56C1D49}" type="datetimeFigureOut">
               <a:rPr lang="en-US" smtClean="0"/>
-              <a:t>10/15/2018</a:t>
+              <a:t>17-Oct-18</a:t>
             </a:fld>
             <a:endParaRPr lang="en-US"/>
           </a:p>
@@ -2604,7 +2604,7 @@
           <a:p>
             <a:fld id="{78C97017-6FC3-485B-9764-EAC9E56C1D49}" type="datetimeFigureOut">
               <a:rPr lang="en-US" smtClean="0"/>
-              <a:t>10/15/2018</a:t>
+              <a:t>17-Oct-18</a:t>
             </a:fld>
             <a:endParaRPr lang="en-US"/>
           </a:p>
@@ -2856,7 +2856,7 @@
           <a:p>
             <a:fld id="{78C97017-6FC3-485B-9764-EAC9E56C1D49}" type="datetimeFigureOut">
               <a:rPr lang="en-US" smtClean="0"/>
-              <a:t>10/15/2018</a:t>
+              <a:t>17-Oct-18</a:t>
             </a:fld>
             <a:endParaRPr lang="en-US"/>
           </a:p>
@@ -3067,7 +3067,7 @@
           <a:p>
             <a:fld id="{78C97017-6FC3-485B-9764-EAC9E56C1D49}" type="datetimeFigureOut">
               <a:rPr lang="en-US" smtClean="0"/>
-              <a:t>10/15/2018</a:t>
+              <a:t>17-Oct-18</a:t>
             </a:fld>
             <a:endParaRPr lang="en-US"/>
           </a:p>
@@ -5523,6 +5523,116 @@
           </a:fillRef>
           <a:effectRef idx="1">
             <a:schemeClr val="accent2"/>
+          </a:effectRef>
+          <a:fontRef idx="minor">
+            <a:schemeClr val="dk1"/>
+          </a:fontRef>
+        </p:style>
+      </p:cxnSp>
+      <p:sp>
+        <p:nvSpPr>
+          <p:cNvPr id="38" name="Rectangle 8">
+            <a:extLst>
+              <a:ext uri="{FF2B5EF4-FFF2-40B4-BE49-F238E27FC236}">
+                <a16:creationId xmlns:a16="http://schemas.microsoft.com/office/drawing/2014/main" id="{A2CD1439-CACA-4473-9070-601A5F375B7E}"/>
+              </a:ext>
+            </a:extLst>
+          </p:cNvPr>
+          <p:cNvSpPr/>
+          <p:nvPr/>
+        </p:nvSpPr>
+        <p:spPr>
+          <a:xfrm>
+            <a:off x="7190077" y="5879617"/>
+            <a:ext cx="1416822" cy="346760"/>
+          </a:xfrm>
+          <a:prstGeom prst="rect">
+            <a:avLst/>
+          </a:prstGeom>
+          <a:ln w="19050"/>
+          <a:effectLst/>
+        </p:spPr>
+        <p:style>
+          <a:lnRef idx="1">
+            <a:schemeClr val="accent6"/>
+          </a:lnRef>
+          <a:fillRef idx="2">
+            <a:schemeClr val="accent6"/>
+          </a:fillRef>
+          <a:effectRef idx="1">
+            <a:schemeClr val="accent6"/>
+          </a:effectRef>
+          <a:fontRef idx="minor">
+            <a:schemeClr val="dk1"/>
+          </a:fontRef>
+        </p:style>
+        <p:txBody>
+          <a:bodyPr rtlCol="0" anchor="ctr"/>
+          <a:lstStyle/>
+          <a:p>
+            <a:pPr algn="ctr"/>
+            <a:r>
+              <a:rPr lang="en-US" sz="1050" b="1" dirty="0" err="1">
+                <a:solidFill>
+                  <a:schemeClr val="accent6">
+                    <a:lumMod val="75000"/>
+                  </a:schemeClr>
+                </a:solidFill>
+              </a:rPr>
+              <a:t>XmlAdaptedJobName</a:t>
+            </a:r>
+            <a:endParaRPr lang="en-SG" sz="1050" b="1" dirty="0">
+              <a:solidFill>
+                <a:schemeClr val="accent6">
+                  <a:lumMod val="75000"/>
+                </a:schemeClr>
+              </a:solidFill>
+            </a:endParaRPr>
+          </a:p>
+        </p:txBody>
+      </p:sp>
+      <p:cxnSp>
+        <p:nvCxnSpPr>
+          <p:cNvPr id="39" name="Elbow Connector 122">
+            <a:extLst>
+              <a:ext uri="{FF2B5EF4-FFF2-40B4-BE49-F238E27FC236}">
+                <a16:creationId xmlns:a16="http://schemas.microsoft.com/office/drawing/2014/main" id="{0A978C57-E798-4AAB-883B-B823CEE98720}"/>
+              </a:ext>
+            </a:extLst>
+          </p:cNvPr>
+          <p:cNvCxnSpPr>
+            <a:cxnSpLocks/>
+            <a:stCxn id="59" idx="2"/>
+            <a:endCxn id="38" idx="0"/>
+          </p:cNvCxnSpPr>
+          <p:nvPr/>
+        </p:nvCxnSpPr>
+        <p:spPr>
+          <a:xfrm rot="5400000">
+            <a:off x="7771756" y="5659785"/>
+            <a:ext cx="346565" cy="93099"/>
+          </a:xfrm>
+          <a:prstGeom prst="bentConnector3">
+            <a:avLst>
+              <a:gd name="adj1" fmla="val 50000"/>
+            </a:avLst>
+          </a:prstGeom>
+          <a:ln w="19050">
+            <a:prstDash val="sysDot"/>
+            <a:headEnd type="none" w="med" len="med"/>
+            <a:tailEnd type="arrow" w="med" len="med"/>
+          </a:ln>
+          <a:effectLst/>
+        </p:spPr>
+        <p:style>
+          <a:lnRef idx="1">
+            <a:schemeClr val="accent6"/>
+          </a:lnRef>
+          <a:fillRef idx="2">
+            <a:schemeClr val="accent6"/>
+          </a:fillRef>
+          <a:effectRef idx="1">
+            <a:schemeClr val="accent6"/>
           </a:effectRef>
           <a:fontRef idx="minor">
             <a:schemeClr val="dk1"/>

--- a/docs/diagrams/StorageComponentClassDiagram.pptx
+++ b/docs/diagrams/StorageComponentClassDiagram.pptx
@@ -208,7 +208,7 @@
           <a:p>
             <a:fld id="{F5CC4B3F-88C1-4FFA-B1B6-F41C21DC6924}" type="datetimeFigureOut">
               <a:rPr lang="en-US" smtClean="0"/>
-              <a:t>17-Oct-18</a:t>
+              <a:t>10/30/2018</a:t>
             </a:fld>
             <a:endParaRPr lang="en-US"/>
           </a:p>
@@ -654,7 +654,7 @@
           <a:p>
             <a:fld id="{78C97017-6FC3-485B-9764-EAC9E56C1D49}" type="datetimeFigureOut">
               <a:rPr lang="en-US" smtClean="0"/>
-              <a:t>17-Oct-18</a:t>
+              <a:t>10/30/2018</a:t>
             </a:fld>
             <a:endParaRPr lang="en-US"/>
           </a:p>
@@ -822,7 +822,7 @@
           <a:p>
             <a:fld id="{78C97017-6FC3-485B-9764-EAC9E56C1D49}" type="datetimeFigureOut">
               <a:rPr lang="en-US" smtClean="0"/>
-              <a:t>17-Oct-18</a:t>
+              <a:t>10/30/2018</a:t>
             </a:fld>
             <a:endParaRPr lang="en-US"/>
           </a:p>
@@ -1000,7 +1000,7 @@
           <a:p>
             <a:fld id="{78C97017-6FC3-485B-9764-EAC9E56C1D49}" type="datetimeFigureOut">
               <a:rPr lang="en-US" smtClean="0"/>
-              <a:t>17-Oct-18</a:t>
+              <a:t>10/30/2018</a:t>
             </a:fld>
             <a:endParaRPr lang="en-US"/>
           </a:p>
@@ -1168,7 +1168,7 @@
           <a:p>
             <a:fld id="{78C97017-6FC3-485B-9764-EAC9E56C1D49}" type="datetimeFigureOut">
               <a:rPr lang="en-US" smtClean="0"/>
-              <a:t>17-Oct-18</a:t>
+              <a:t>10/30/2018</a:t>
             </a:fld>
             <a:endParaRPr lang="en-US"/>
           </a:p>
@@ -1413,7 +1413,7 @@
           <a:p>
             <a:fld id="{78C97017-6FC3-485B-9764-EAC9E56C1D49}" type="datetimeFigureOut">
               <a:rPr lang="en-US" smtClean="0"/>
-              <a:t>17-Oct-18</a:t>
+              <a:t>10/30/2018</a:t>
             </a:fld>
             <a:endParaRPr lang="en-US"/>
           </a:p>
@@ -1698,7 +1698,7 @@
           <a:p>
             <a:fld id="{78C97017-6FC3-485B-9764-EAC9E56C1D49}" type="datetimeFigureOut">
               <a:rPr lang="en-US" smtClean="0"/>
-              <a:t>17-Oct-18</a:t>
+              <a:t>10/30/2018</a:t>
             </a:fld>
             <a:endParaRPr lang="en-US"/>
           </a:p>
@@ -2117,7 +2117,7 @@
           <a:p>
             <a:fld id="{78C97017-6FC3-485B-9764-EAC9E56C1D49}" type="datetimeFigureOut">
               <a:rPr lang="en-US" smtClean="0"/>
-              <a:t>17-Oct-18</a:t>
+              <a:t>10/30/2018</a:t>
             </a:fld>
             <a:endParaRPr lang="en-US"/>
           </a:p>
@@ -2234,7 +2234,7 @@
           <a:p>
             <a:fld id="{78C97017-6FC3-485B-9764-EAC9E56C1D49}" type="datetimeFigureOut">
               <a:rPr lang="en-US" smtClean="0"/>
-              <a:t>17-Oct-18</a:t>
+              <a:t>10/30/2018</a:t>
             </a:fld>
             <a:endParaRPr lang="en-US"/>
           </a:p>
@@ -2329,7 +2329,7 @@
           <a:p>
             <a:fld id="{78C97017-6FC3-485B-9764-EAC9E56C1D49}" type="datetimeFigureOut">
               <a:rPr lang="en-US" smtClean="0"/>
-              <a:t>17-Oct-18</a:t>
+              <a:t>10/30/2018</a:t>
             </a:fld>
             <a:endParaRPr lang="en-US"/>
           </a:p>
@@ -2604,7 +2604,7 @@
           <a:p>
             <a:fld id="{78C97017-6FC3-485B-9764-EAC9E56C1D49}" type="datetimeFigureOut">
               <a:rPr lang="en-US" smtClean="0"/>
-              <a:t>17-Oct-18</a:t>
+              <a:t>10/30/2018</a:t>
             </a:fld>
             <a:endParaRPr lang="en-US"/>
           </a:p>
@@ -2856,7 +2856,7 @@
           <a:p>
             <a:fld id="{78C97017-6FC3-485B-9764-EAC9E56C1D49}" type="datetimeFigureOut">
               <a:rPr lang="en-US" smtClean="0"/>
-              <a:t>17-Oct-18</a:t>
+              <a:t>10/30/2018</a:t>
             </a:fld>
             <a:endParaRPr lang="en-US"/>
           </a:p>
@@ -3067,7 +3067,7 @@
           <a:p>
             <a:fld id="{78C97017-6FC3-485B-9764-EAC9E56C1D49}" type="datetimeFigureOut">
               <a:rPr lang="en-US" smtClean="0"/>
-              <a:t>17-Oct-18</a:t>
+              <a:t>10/30/2018</a:t>
             </a:fld>
             <a:endParaRPr lang="en-US"/>
           </a:p>
@@ -5633,6 +5633,180 @@
           </a:fillRef>
           <a:effectRef idx="1">
             <a:schemeClr val="accent6"/>
+          </a:effectRef>
+          <a:fontRef idx="minor">
+            <a:schemeClr val="dk1"/>
+          </a:fontRef>
+        </p:style>
+      </p:cxnSp>
+      <p:sp>
+        <p:nvSpPr>
+          <p:cNvPr id="44" name="Rectangle 8">
+            <a:extLst>
+              <a:ext uri="{FF2B5EF4-FFF2-40B4-BE49-F238E27FC236}">
+                <a16:creationId xmlns:a16="http://schemas.microsoft.com/office/drawing/2014/main" id="{0472788E-81DD-4C7C-8A0D-05322B4D804A}"/>
+              </a:ext>
+            </a:extLst>
+          </p:cNvPr>
+          <p:cNvSpPr/>
+          <p:nvPr/>
+        </p:nvSpPr>
+        <p:spPr>
+          <a:xfrm>
+            <a:off x="1199213" y="4090556"/>
+            <a:ext cx="737804" cy="204347"/>
+          </a:xfrm>
+          <a:prstGeom prst="rect">
+            <a:avLst/>
+          </a:prstGeom>
+          <a:solidFill>
+            <a:schemeClr val="accent6">
+              <a:lumMod val="75000"/>
+            </a:schemeClr>
+          </a:solidFill>
+          <a:ln w="19050">
+            <a:solidFill>
+              <a:schemeClr val="accent6">
+                <a:lumMod val="75000"/>
+              </a:schemeClr>
+            </a:solidFill>
+          </a:ln>
+          <a:effectLst/>
+        </p:spPr>
+        <p:style>
+          <a:lnRef idx="1">
+            <a:schemeClr val="accent2"/>
+          </a:lnRef>
+          <a:fillRef idx="2">
+            <a:schemeClr val="accent2"/>
+          </a:fillRef>
+          <a:effectRef idx="1">
+            <a:schemeClr val="accent2"/>
+          </a:effectRef>
+          <a:fontRef idx="minor">
+            <a:schemeClr val="dk1"/>
+          </a:fontRef>
+        </p:style>
+        <p:txBody>
+          <a:bodyPr rtlCol="0" anchor="ctr"/>
+          <a:lstStyle/>
+          <a:p>
+            <a:pPr algn="ctr"/>
+            <a:r>
+              <a:rPr lang="en-US" sz="1050" dirty="0" err="1">
+                <a:solidFill>
+                  <a:schemeClr val="bg1"/>
+                </a:solidFill>
+              </a:rPr>
+              <a:t>UserPref</a:t>
+            </a:r>
+            <a:endParaRPr lang="en-SG" sz="1050" dirty="0">
+              <a:solidFill>
+                <a:schemeClr val="bg1"/>
+              </a:solidFill>
+            </a:endParaRPr>
+          </a:p>
+        </p:txBody>
+      </p:sp>
+      <p:sp>
+        <p:nvSpPr>
+          <p:cNvPr id="46" name="Flowchart: Decision 96">
+            <a:extLst>
+              <a:ext uri="{FF2B5EF4-FFF2-40B4-BE49-F238E27FC236}">
+                <a16:creationId xmlns:a16="http://schemas.microsoft.com/office/drawing/2014/main" id="{162C2D67-E4A4-40F1-B8C2-96DEB379057D}"/>
+              </a:ext>
+            </a:extLst>
+          </p:cNvPr>
+          <p:cNvSpPr/>
+          <p:nvPr/>
+        </p:nvSpPr>
+        <p:spPr>
+          <a:xfrm rot="5400000">
+            <a:off x="1455905" y="3669986"/>
+            <a:ext cx="236048" cy="173380"/>
+          </a:xfrm>
+          <a:prstGeom prst="flowChartDecision">
+            <a:avLst/>
+          </a:prstGeom>
+          <a:noFill/>
+          <a:ln w="19050">
+            <a:solidFill>
+              <a:schemeClr val="accent6">
+                <a:lumMod val="75000"/>
+              </a:schemeClr>
+            </a:solidFill>
+          </a:ln>
+          <a:effectLst/>
+        </p:spPr>
+        <p:style>
+          <a:lnRef idx="1">
+            <a:schemeClr val="accent2"/>
+          </a:lnRef>
+          <a:fillRef idx="2">
+            <a:schemeClr val="accent2"/>
+          </a:fillRef>
+          <a:effectRef idx="1">
+            <a:schemeClr val="accent2"/>
+          </a:effectRef>
+          <a:fontRef idx="minor">
+            <a:schemeClr val="dk1"/>
+          </a:fontRef>
+        </p:style>
+        <p:txBody>
+          <a:bodyPr rtlCol="0" anchor="ctr"/>
+          <a:lstStyle/>
+          <a:p>
+            <a:pPr algn="ctr"/>
+            <a:endParaRPr lang="en-US" sz="1050">
+              <a:solidFill>
+                <a:schemeClr val="bg1"/>
+              </a:solidFill>
+            </a:endParaRPr>
+          </a:p>
+        </p:txBody>
+      </p:sp>
+      <p:cxnSp>
+        <p:nvCxnSpPr>
+          <p:cNvPr id="51" name="Straight Arrow Connector 50">
+            <a:extLst>
+              <a:ext uri="{FF2B5EF4-FFF2-40B4-BE49-F238E27FC236}">
+                <a16:creationId xmlns:a16="http://schemas.microsoft.com/office/drawing/2014/main" id="{77D7EFAC-21F1-4843-A878-9D88B201BB17}"/>
+              </a:ext>
+            </a:extLst>
+          </p:cNvPr>
+          <p:cNvCxnSpPr>
+            <a:cxnSpLocks/>
+          </p:cNvCxnSpPr>
+          <p:nvPr/>
+        </p:nvCxnSpPr>
+        <p:spPr>
+          <a:xfrm>
+            <a:off x="1568115" y="3880515"/>
+            <a:ext cx="1" cy="204346"/>
+          </a:xfrm>
+          <a:prstGeom prst="straightConnector1">
+            <a:avLst/>
+          </a:prstGeom>
+          <a:ln w="19050">
+            <a:solidFill>
+              <a:schemeClr val="accent6">
+                <a:lumMod val="75000"/>
+              </a:schemeClr>
+            </a:solidFill>
+            <a:headEnd type="none" w="med" len="med"/>
+            <a:tailEnd type="arrow" w="med" len="med"/>
+          </a:ln>
+          <a:effectLst/>
+        </p:spPr>
+        <p:style>
+          <a:lnRef idx="1">
+            <a:schemeClr val="accent2"/>
+          </a:lnRef>
+          <a:fillRef idx="2">
+            <a:schemeClr val="accent2"/>
+          </a:fillRef>
+          <a:effectRef idx="1">
+            <a:schemeClr val="accent2"/>
           </a:effectRef>
           <a:fontRef idx="minor">
             <a:schemeClr val="dk1"/>
